--- a/presentation.pptx
+++ b/presentation.pptx
@@ -325,7 +325,7 @@
             <a:fld id="{B61BEF0D-F0BB-DE4B-95CE-6DB70DBA9567}" type="datetimeFigureOut">
               <a:rPr lang="en-US" dirty="0"/>
               <a:pPr/>
-              <a:t>6/2/2019</a:t>
+              <a:t>6/3/2019</a:t>
             </a:fld>
             <a:endParaRPr lang="en-US" dirty="0"/>
           </a:p>
@@ -758,7 +758,7 @@
             <a:fld id="{B61BEF0D-F0BB-DE4B-95CE-6DB70DBA9567}" type="datetimeFigureOut">
               <a:rPr lang="en-US" dirty="0"/>
               <a:pPr/>
-              <a:t>6/2/2019</a:t>
+              <a:t>6/3/2019</a:t>
             </a:fld>
             <a:endParaRPr lang="en-US" dirty="0"/>
           </a:p>
@@ -1005,7 +1005,7 @@
             <a:fld id="{B61BEF0D-F0BB-DE4B-95CE-6DB70DBA9567}" type="datetimeFigureOut">
               <a:rPr lang="en-US" dirty="0"/>
               <a:pPr/>
-              <a:t>6/2/2019</a:t>
+              <a:t>6/3/2019</a:t>
             </a:fld>
             <a:endParaRPr lang="en-US" dirty="0"/>
           </a:p>
@@ -1310,7 +1310,7 @@
             <a:fld id="{B61BEF0D-F0BB-DE4B-95CE-6DB70DBA9567}" type="datetimeFigureOut">
               <a:rPr lang="en-US" dirty="0"/>
               <a:pPr/>
-              <a:t>6/2/2019</a:t>
+              <a:t>6/3/2019</a:t>
             </a:fld>
             <a:endParaRPr lang="en-US" dirty="0"/>
           </a:p>
@@ -1625,7 +1625,7 @@
             <a:fld id="{B61BEF0D-F0BB-DE4B-95CE-6DB70DBA9567}" type="datetimeFigureOut">
               <a:rPr lang="en-US" dirty="0"/>
               <a:pPr/>
-              <a:t>6/2/2019</a:t>
+              <a:t>6/3/2019</a:t>
             </a:fld>
             <a:endParaRPr lang="en-US" dirty="0"/>
           </a:p>
@@ -1924,7 +1924,7 @@
             <a:fld id="{B61BEF0D-F0BB-DE4B-95CE-6DB70DBA9567}" type="datetimeFigureOut">
               <a:rPr lang="en-US" dirty="0"/>
               <a:pPr/>
-              <a:t>6/2/2019</a:t>
+              <a:t>6/3/2019</a:t>
             </a:fld>
             <a:endParaRPr lang="en-US" dirty="0"/>
           </a:p>
@@ -2288,7 +2288,7 @@
             <a:fld id="{B61BEF0D-F0BB-DE4B-95CE-6DB70DBA9567}" type="datetimeFigureOut">
               <a:rPr lang="en-US" dirty="0"/>
               <a:pPr/>
-              <a:t>6/2/2019</a:t>
+              <a:t>6/3/2019</a:t>
             </a:fld>
             <a:endParaRPr lang="en-US" dirty="0"/>
           </a:p>
@@ -2459,7 +2459,7 @@
             <a:fld id="{B61BEF0D-F0BB-DE4B-95CE-6DB70DBA9567}" type="datetimeFigureOut">
               <a:rPr lang="en-US" dirty="0"/>
               <a:pPr/>
-              <a:t>6/2/2019</a:t>
+              <a:t>6/3/2019</a:t>
             </a:fld>
             <a:endParaRPr lang="en-US" dirty="0"/>
           </a:p>
@@ -2636,7 +2636,7 @@
             <a:fld id="{B61BEF0D-F0BB-DE4B-95CE-6DB70DBA9567}" type="datetimeFigureOut">
               <a:rPr lang="en-US" dirty="0"/>
               <a:pPr/>
-              <a:t>6/2/2019</a:t>
+              <a:t>6/3/2019</a:t>
             </a:fld>
             <a:endParaRPr lang="en-US" dirty="0"/>
           </a:p>
@@ -2803,7 +2803,7 @@
             <a:fld id="{B61BEF0D-F0BB-DE4B-95CE-6DB70DBA9567}" type="datetimeFigureOut">
               <a:rPr lang="en-US" dirty="0"/>
               <a:pPr/>
-              <a:t>6/2/2019</a:t>
+              <a:t>6/3/2019</a:t>
             </a:fld>
             <a:endParaRPr lang="en-US" dirty="0"/>
           </a:p>
@@ -3050,7 +3050,7 @@
             <a:fld id="{B61BEF0D-F0BB-DE4B-95CE-6DB70DBA9567}" type="datetimeFigureOut">
               <a:rPr lang="en-US" dirty="0"/>
               <a:pPr/>
-              <a:t>6/2/2019</a:t>
+              <a:t>6/3/2019</a:t>
             </a:fld>
             <a:endParaRPr lang="en-US" dirty="0"/>
           </a:p>
@@ -3283,7 +3283,7 @@
             <a:fld id="{B61BEF0D-F0BB-DE4B-95CE-6DB70DBA9567}" type="datetimeFigureOut">
               <a:rPr lang="en-US" dirty="0"/>
               <a:pPr/>
-              <a:t>6/2/2019</a:t>
+              <a:t>6/3/2019</a:t>
             </a:fld>
             <a:endParaRPr lang="en-US" dirty="0"/>
           </a:p>
@@ -3662,7 +3662,7 @@
             <a:fld id="{B61BEF0D-F0BB-DE4B-95CE-6DB70DBA9567}" type="datetimeFigureOut">
               <a:rPr lang="en-US" dirty="0"/>
               <a:pPr/>
-              <a:t>6/2/2019</a:t>
+              <a:t>6/3/2019</a:t>
             </a:fld>
             <a:endParaRPr lang="en-US" dirty="0"/>
           </a:p>
@@ -3777,7 +3777,7 @@
             <a:fld id="{B61BEF0D-F0BB-DE4B-95CE-6DB70DBA9567}" type="datetimeFigureOut">
               <a:rPr lang="en-US" dirty="0"/>
               <a:pPr/>
-              <a:t>6/2/2019</a:t>
+              <a:t>6/3/2019</a:t>
             </a:fld>
             <a:endParaRPr lang="en-US" dirty="0"/>
           </a:p>
@@ -3869,7 +3869,7 @@
             <a:fld id="{B61BEF0D-F0BB-DE4B-95CE-6DB70DBA9567}" type="datetimeFigureOut">
               <a:rPr lang="en-US" dirty="0"/>
               <a:pPr/>
-              <a:t>6/2/2019</a:t>
+              <a:t>6/3/2019</a:t>
             </a:fld>
             <a:endParaRPr lang="en-US" dirty="0"/>
           </a:p>
@@ -4121,7 +4121,7 @@
             <a:fld id="{B61BEF0D-F0BB-DE4B-95CE-6DB70DBA9567}" type="datetimeFigureOut">
               <a:rPr lang="en-US" dirty="0"/>
               <a:pPr/>
-              <a:t>6/2/2019</a:t>
+              <a:t>6/3/2019</a:t>
             </a:fld>
             <a:endParaRPr lang="en-US" dirty="0"/>
           </a:p>
@@ -4401,7 +4401,7 @@
             <a:fld id="{B61BEF0D-F0BB-DE4B-95CE-6DB70DBA9567}" type="datetimeFigureOut">
               <a:rPr lang="en-US" dirty="0"/>
               <a:pPr/>
-              <a:t>6/2/2019</a:t>
+              <a:t>6/3/2019</a:t>
             </a:fld>
             <a:endParaRPr lang="en-US" dirty="0"/>
           </a:p>
@@ -4804,7 +4804,7 @@
             <a:fld id="{B61BEF0D-F0BB-DE4B-95CE-6DB70DBA9567}" type="datetimeFigureOut">
               <a:rPr lang="en-US" dirty="0"/>
               <a:pPr/>
-              <a:t>6/2/2019</a:t>
+              <a:t>6/3/2019</a:t>
             </a:fld>
             <a:endParaRPr lang="en-US" dirty="0"/>
           </a:p>
@@ -5401,13 +5401,13 @@
   <p:clrMapOvr>
     <a:masterClrMapping/>
   </p:clrMapOvr>
-  <mc:AlternateContent xmlns:mc="http://schemas.openxmlformats.org/markup-compatibility/2006">
-    <mc:Choice xmlns:p14="http://schemas.microsoft.com/office/powerpoint/2010/main" Requires="p14">
+  <mc:AlternateContent xmlns:mc="http://schemas.openxmlformats.org/markup-compatibility/2006" xmlns:p14="http://schemas.microsoft.com/office/powerpoint/2010/main">
+    <mc:Choice Requires="p14">
       <p:transition spd="slow" p14:dur="1500">
         <p:pull/>
       </p:transition>
     </mc:Choice>
-    <mc:Fallback>
+    <mc:Fallback xmlns="">
       <p:transition spd="slow">
         <p:pull/>
       </p:transition>
@@ -5471,13 +5471,13 @@
   <p:clrMapOvr>
     <a:masterClrMapping/>
   </p:clrMapOvr>
-  <mc:AlternateContent xmlns:mc="http://schemas.openxmlformats.org/markup-compatibility/2006">
-    <mc:Choice xmlns:p14="http://schemas.microsoft.com/office/powerpoint/2010/main" Requires="p14">
+  <mc:AlternateContent xmlns:mc="http://schemas.openxmlformats.org/markup-compatibility/2006" xmlns:p14="http://schemas.microsoft.com/office/powerpoint/2010/main">
+    <mc:Choice Requires="p14">
       <p:transition spd="slow" p14:dur="1500">
         <p:pull/>
       </p:transition>
     </mc:Choice>
-    <mc:Fallback>
+    <mc:Fallback xmlns="">
       <p:transition spd="slow">
         <p:pull/>
       </p:transition>
@@ -5815,13 +5815,13 @@
   <p:clrMapOvr>
     <a:masterClrMapping/>
   </p:clrMapOvr>
-  <mc:AlternateContent xmlns:mc="http://schemas.openxmlformats.org/markup-compatibility/2006">
-    <mc:Choice xmlns:p14="http://schemas.microsoft.com/office/powerpoint/2010/main" Requires="p14">
+  <mc:AlternateContent xmlns:mc="http://schemas.openxmlformats.org/markup-compatibility/2006" xmlns:p14="http://schemas.microsoft.com/office/powerpoint/2010/main">
+    <mc:Choice Requires="p14">
       <p:transition spd="slow" p14:dur="1500">
         <p:pull/>
       </p:transition>
     </mc:Choice>
-    <mc:Fallback>
+    <mc:Fallback xmlns="">
       <p:transition spd="slow">
         <p:pull/>
       </p:transition>
@@ -6808,13 +6808,13 @@
   <p:clrMapOvr>
     <a:masterClrMapping/>
   </p:clrMapOvr>
-  <mc:AlternateContent xmlns:mc="http://schemas.openxmlformats.org/markup-compatibility/2006">
-    <mc:Choice xmlns:p14="http://schemas.microsoft.com/office/powerpoint/2010/main" Requires="p14">
+  <mc:AlternateContent xmlns:mc="http://schemas.openxmlformats.org/markup-compatibility/2006" xmlns:p14="http://schemas.microsoft.com/office/powerpoint/2010/main">
+    <mc:Choice Requires="p14">
       <p:transition spd="slow" p14:dur="1500">
         <p:pull/>
       </p:transition>
     </mc:Choice>
-    <mc:Fallback>
+    <mc:Fallback xmlns="">
       <p:transition spd="slow">
         <p:pull/>
       </p:transition>
@@ -7399,13 +7399,13 @@
   <p:clrMapOvr>
     <a:masterClrMapping/>
   </p:clrMapOvr>
-  <mc:AlternateContent xmlns:mc="http://schemas.openxmlformats.org/markup-compatibility/2006">
-    <mc:Choice xmlns:p14="http://schemas.microsoft.com/office/powerpoint/2010/main" Requires="p14">
+  <mc:AlternateContent xmlns:mc="http://schemas.openxmlformats.org/markup-compatibility/2006" xmlns:p14="http://schemas.microsoft.com/office/powerpoint/2010/main">
+    <mc:Choice Requires="p14">
       <p:transition spd="slow" p14:dur="1500">
         <p:pull/>
       </p:transition>
     </mc:Choice>
-    <mc:Fallback>
+    <mc:Fallback xmlns="">
       <p:transition spd="slow">
         <p:pull/>
       </p:transition>
@@ -7919,13 +7919,13 @@
   <p:clrMapOvr>
     <a:masterClrMapping/>
   </p:clrMapOvr>
-  <mc:AlternateContent xmlns:mc="http://schemas.openxmlformats.org/markup-compatibility/2006">
-    <mc:Choice xmlns:p14="http://schemas.microsoft.com/office/powerpoint/2010/main" Requires="p14">
+  <mc:AlternateContent xmlns:mc="http://schemas.openxmlformats.org/markup-compatibility/2006" xmlns:p14="http://schemas.microsoft.com/office/powerpoint/2010/main">
+    <mc:Choice Requires="p14">
       <p:transition spd="slow" p14:dur="1500">
         <p:pull/>
       </p:transition>
     </mc:Choice>
-    <mc:Fallback>
+    <mc:Fallback xmlns="">
       <p:transition spd="slow">
         <p:pull/>
       </p:transition>
@@ -8667,13 +8667,13 @@
   <p:clrMapOvr>
     <a:masterClrMapping/>
   </p:clrMapOvr>
-  <mc:AlternateContent xmlns:mc="http://schemas.openxmlformats.org/markup-compatibility/2006">
-    <mc:Choice xmlns:p14="http://schemas.microsoft.com/office/powerpoint/2010/main" Requires="p14">
+  <mc:AlternateContent xmlns:mc="http://schemas.openxmlformats.org/markup-compatibility/2006" xmlns:p14="http://schemas.microsoft.com/office/powerpoint/2010/main">
+    <mc:Choice Requires="p14">
       <p:transition spd="slow" p14:dur="1500">
         <p:pull/>
       </p:transition>
     </mc:Choice>
-    <mc:Fallback>
+    <mc:Fallback xmlns="">
       <p:transition spd="slow">
         <p:pull/>
       </p:transition>
@@ -9215,13 +9215,13 @@
   <p:clrMapOvr>
     <a:masterClrMapping/>
   </p:clrMapOvr>
-  <mc:AlternateContent xmlns:mc="http://schemas.openxmlformats.org/markup-compatibility/2006">
-    <mc:Choice xmlns:p14="http://schemas.microsoft.com/office/powerpoint/2010/main" Requires="p14">
+  <mc:AlternateContent xmlns:mc="http://schemas.openxmlformats.org/markup-compatibility/2006" xmlns:p14="http://schemas.microsoft.com/office/powerpoint/2010/main">
+    <mc:Choice Requires="p14">
       <p:transition spd="slow" p14:dur="1500">
         <p:pull/>
       </p:transition>
     </mc:Choice>
-    <mc:Fallback>
+    <mc:Fallback xmlns="">
       <p:transition spd="slow">
         <p:pull/>
       </p:transition>
@@ -9765,13 +9765,13 @@
   <p:clrMapOvr>
     <a:masterClrMapping/>
   </p:clrMapOvr>
-  <mc:AlternateContent xmlns:mc="http://schemas.openxmlformats.org/markup-compatibility/2006">
-    <mc:Choice xmlns:p14="http://schemas.microsoft.com/office/powerpoint/2010/main" Requires="p14">
+  <mc:AlternateContent xmlns:mc="http://schemas.openxmlformats.org/markup-compatibility/2006" xmlns:p14="http://schemas.microsoft.com/office/powerpoint/2010/main">
+    <mc:Choice Requires="p14">
       <p:transition spd="slow" p14:dur="1500">
         <p:pull/>
       </p:transition>
     </mc:Choice>
-    <mc:Fallback>
+    <mc:Fallback xmlns="">
       <p:transition spd="slow">
         <p:pull/>
       </p:transition>
@@ -10220,7 +10220,7 @@
         </p:nvSpPr>
         <p:spPr>
           <a:xfrm>
-            <a:off x="524415" y="2859129"/>
+            <a:off x="524415" y="3777814"/>
             <a:ext cx="8534400" cy="925250"/>
           </a:xfrm>
         </p:spPr>
@@ -10249,8 +10249,8 @@
         </p:nvSpPr>
         <p:spPr>
           <a:xfrm>
-            <a:off x="1963445" y="3998871"/>
-            <a:ext cx="8265110" cy="2677656"/>
+            <a:off x="1963445" y="4703064"/>
+            <a:ext cx="8265110" cy="1754326"/>
           </a:xfrm>
           <a:prstGeom prst="rect">
             <a:avLst/>
@@ -10264,16 +10264,16 @@
           <a:lstStyle/>
           <a:p>
             <a:r>
-              <a:rPr lang="en-US" sz="2400" dirty="0"/>
+              <a:rPr lang="en-US" dirty="0"/>
               <a:t>The current model could likely be enhanced by the addition of more variables. </a:t>
             </a:r>
           </a:p>
           <a:p>
-            <a:endParaRPr lang="en-US" sz="2400" dirty="0"/>
-          </a:p>
-          <a:p>
-            <a:r>
-              <a:rPr lang="en-US" sz="2400" dirty="0"/>
+            <a:endParaRPr lang="en-US" dirty="0"/>
+          </a:p>
+          <a:p>
+            <a:r>
+              <a:rPr lang="en-US" dirty="0"/>
               <a:t>In particular, information on crime rates, transportation accessibility, school district ratings, etc. would be useful as these factors have in the past been shown to influence real estate pricing.</a:t>
             </a:r>
           </a:p>
@@ -10406,7 +10406,7 @@
         <p:spPr>
           <a:xfrm>
             <a:off x="1963445" y="925250"/>
-            <a:ext cx="8265110" cy="1477328"/>
+            <a:ext cx="8265110" cy="2554545"/>
           </a:xfrm>
           <a:prstGeom prst="rect">
             <a:avLst/>
@@ -10419,11 +10419,42 @@
           </a:bodyPr>
           <a:lstStyle/>
           <a:p>
-            <a:r>
-              <a:rPr lang="en-US" dirty="0"/>
-              <a:t>If you can purchase a house for $126,700 less than the price predicted by our model, then you should definitely do so. When trying to sell it, you could begin by listing it for $126,700 above the model prediction and then have room to negotiate down to the model’s predicted price if need be, still making a hefty profit.</a:t>
-            </a:r>
-            <a:endParaRPr lang="en-US" sz="2400" dirty="0"/>
+            <a:pPr marL="342900" indent="-342900">
+              <a:buFont typeface="+mj-lt"/>
+              <a:buAutoNum type="arabicPeriod"/>
+            </a:pPr>
+            <a:r>
+              <a:rPr lang="en-US" sz="2000" dirty="0"/>
+              <a:t>If you can purchase a house for $126,700 less than the price predicted by our model, you will definitely make a profit.</a:t>
+            </a:r>
+            <a:br>
+              <a:rPr lang="en-US" sz="2000" dirty="0"/>
+            </a:br>
+            <a:endParaRPr lang="en-US" sz="2000" dirty="0"/>
+          </a:p>
+          <a:p>
+            <a:pPr marL="342900" indent="-342900">
+              <a:buFont typeface="+mj-lt"/>
+              <a:buAutoNum type="arabicPeriod"/>
+            </a:pPr>
+            <a:r>
+              <a:rPr lang="en-US" sz="2000" dirty="0"/>
+              <a:t>Houses in the northern half of Kings County fetch higher prices, try to sell northern properties</a:t>
+            </a:r>
+            <a:br>
+              <a:rPr lang="en-US" sz="2000" dirty="0"/>
+            </a:br>
+            <a:endParaRPr lang="en-US" sz="2000" dirty="0"/>
+          </a:p>
+          <a:p>
+            <a:pPr marL="342900" indent="-342900">
+              <a:buFont typeface="+mj-lt"/>
+              <a:buAutoNum type="arabicPeriod"/>
+            </a:pPr>
+            <a:r>
+              <a:rPr lang="en-US" sz="2000" dirty="0"/>
+              <a:t>The more times a house has been viewed, the higher it’s final selling price is likely to be. Invest in advertising your properties.</a:t>
+            </a:r>
           </a:p>
         </p:txBody>
       </p:sp>
@@ -10437,13 +10468,13 @@
   <p:clrMapOvr>
     <a:masterClrMapping/>
   </p:clrMapOvr>
-  <mc:AlternateContent xmlns:mc="http://schemas.openxmlformats.org/markup-compatibility/2006">
-    <mc:Choice xmlns:p14="http://schemas.microsoft.com/office/powerpoint/2010/main" Requires="p14">
+  <mc:AlternateContent xmlns:mc="http://schemas.openxmlformats.org/markup-compatibility/2006" xmlns:p14="http://schemas.microsoft.com/office/powerpoint/2010/main">
+    <mc:Choice Requires="p14">
       <p:transition spd="slow" p14:dur="1500">
         <p:pull/>
       </p:transition>
     </mc:Choice>
-    <mc:Fallback>
+    <mc:Fallback xmlns="">
       <p:transition spd="slow">
         <p:pull/>
       </p:transition>
